--- a/02-Data-Types.pptx
+++ b/02-Data-Types.pptx
@@ -3510,6 +3510,13 @@
   <p:clrMapOvr>
     <a:masterClrMapping/>
   </p:clrMapOvr>
+  <p:timing>
+    <p:tnLst>
+      <p:par>
+        <p:cTn id="1" dur="indefinite" restart="never" nodeType="tmRoot"/>
+      </p:par>
+    </p:tnLst>
+  </p:timing>
 </p:sld>
 </file>
 
@@ -4945,7 +4952,17 @@
                   </a:schemeClr>
                 </a:solidFill>
               </a:rPr>
-              <a:t>цели числа - съответно </a:t>
+              <a:t>цели числа - съответно страните на правоъгълник. </a:t>
+            </a:r>
+            <a:r>
+              <a:rPr lang="ru-RU" sz="2000" dirty="0">
+                <a:solidFill>
+                  <a:schemeClr val="bg1">
+                    <a:lumMod val="95000"/>
+                  </a:schemeClr>
+                </a:solidFill>
+              </a:rPr>
+              <a:t>Пресметнете лицето на дадения </a:t>
             </a:r>
             <a:r>
               <a:rPr lang="ru-RU" sz="2000" dirty="0" smtClean="0">
@@ -4955,37 +4972,7 @@
                   </a:schemeClr>
                 </a:solidFill>
               </a:rPr>
-              <a:t>страните на правоъгълник. </a:t>
-            </a:r>
-            <a:r>
-              <a:rPr lang="ru-RU" sz="2000" dirty="0">
-                <a:solidFill>
-                  <a:schemeClr val="bg1">
-                    <a:lumMod val="95000"/>
-                  </a:schemeClr>
-                </a:solidFill>
-              </a:rPr>
-              <a:t>Пресметнете лицето на дадения </a:t>
-            </a:r>
-            <a:r>
-              <a:rPr lang="ru-RU" sz="2000" dirty="0" smtClean="0">
-                <a:solidFill>
-                  <a:schemeClr val="bg1">
-                    <a:lumMod val="95000"/>
-                  </a:schemeClr>
-                </a:solidFill>
-              </a:rPr>
-              <a:t>правоъгълник </a:t>
-            </a:r>
-            <a:r>
-              <a:rPr lang="ru-RU" sz="2000" dirty="0" smtClean="0">
-                <a:solidFill>
-                  <a:schemeClr val="bg1">
-                    <a:lumMod val="95000"/>
-                  </a:schemeClr>
-                </a:solidFill>
-              </a:rPr>
-              <a:t>и </a:t>
+              <a:t>правоъгълник и </a:t>
             </a:r>
             <a:r>
               <a:rPr lang="ru-RU" sz="2000" dirty="0">
@@ -5240,17 +5227,7 @@
                   </a:schemeClr>
                 </a:solidFill>
               </a:rPr>
-              <a:t>Напишете </a:t>
-            </a:r>
-            <a:r>
-              <a:rPr lang="ru-RU" sz="2000" dirty="0" smtClean="0">
-                <a:solidFill>
-                  <a:schemeClr val="bg1">
-                    <a:lumMod val="95000"/>
-                  </a:schemeClr>
-                </a:solidFill>
-              </a:rPr>
-              <a:t>програма, която приема реално число като вход, и изкарва на конзолата резултата от делението му с цяло число.</a:t>
+              <a:t>Напишете програма, която приема реално число като вход, и изкарва на конзолата резултата от делението му с цяло число.</a:t>
             </a:r>
           </a:p>
           <a:p>
@@ -5340,7 +5317,19 @@
             </a:pPr>
             <a:r>
               <a:rPr lang="ru-RU" sz="2000" dirty="0"/>
-              <a:t>Напишете програма, която принтира фигура във формата на сърце със знака "o".</a:t>
+              <a:t>Напишете програма, която принтира фигура във формата </a:t>
+            </a:r>
+            <a:r>
+              <a:rPr lang="ru-RU" sz="2000"/>
+              <a:t>на </a:t>
+            </a:r>
+            <a:r>
+              <a:rPr lang="ru-RU" sz="2000" smtClean="0"/>
+              <a:t>борче със </a:t>
+            </a:r>
+            <a:r>
+              <a:rPr lang="ru-RU" sz="2000" dirty="0"/>
+              <a:t>знака "o".</a:t>
             </a:r>
             <a:endParaRPr lang="ru-RU" sz="2000" dirty="0">
               <a:solidFill>
